--- a/Shark SQL and Rich Analytics at Scale.pptx
+++ b/Shark SQL and Rich Analytics at Scale.pptx
@@ -154,7 +154,7 @@
   </p:defaultTextStyle>
   <p:extLst>
     <p:ext uri="{EFAFB233-063F-42B5-8137-9DF3F51BA10A}">
-      <p15:sldGuideLst xmlns:p15="http://schemas.microsoft.com/office/powerpoint/2012/main" xmlns="">
+      <p15:sldGuideLst xmlns="" xmlns:p15="http://schemas.microsoft.com/office/powerpoint/2012/main">
         <p15:guide id="1" orient="horz" pos="2160">
           <p15:clr>
             <a:srgbClr val="A4A3A4"/>
@@ -253,7 +253,7 @@
           <a:p>
             <a:fld id="{BB7FF8B6-CFDF-429E-BED6-5A0F7B8ECD8C}" type="datetimeFigureOut">
               <a:rPr lang="zh-CN" altLang="en-US" smtClean="0"/>
-              <a:t>2014/6/22</a:t>
+              <a:t>2014/6/23</a:t>
             </a:fld>
             <a:endParaRPr lang="zh-CN" altLang="en-US"/>
           </a:p>
@@ -1904,7 +1904,7 @@
           <a:p>
             <a:fld id="{530820CF-B880-4189-942D-D702A7CBA730}" type="datetimeFigureOut">
               <a:rPr lang="zh-CN" altLang="en-US" smtClean="0"/>
-              <a:t>2014/6/22</a:t>
+              <a:t>2014/6/23</a:t>
             </a:fld>
             <a:endParaRPr lang="zh-CN" altLang="en-US"/>
           </a:p>
@@ -2069,7 +2069,7 @@
           <a:p>
             <a:fld id="{530820CF-B880-4189-942D-D702A7CBA730}" type="datetimeFigureOut">
               <a:rPr lang="zh-CN" altLang="en-US" smtClean="0"/>
-              <a:t>2014/6/22</a:t>
+              <a:t>2014/6/23</a:t>
             </a:fld>
             <a:endParaRPr lang="zh-CN" altLang="en-US"/>
           </a:p>
@@ -2244,7 +2244,7 @@
           <a:p>
             <a:fld id="{530820CF-B880-4189-942D-D702A7CBA730}" type="datetimeFigureOut">
               <a:rPr lang="zh-CN" altLang="en-US" smtClean="0"/>
-              <a:t>2014/6/22</a:t>
+              <a:t>2014/6/23</a:t>
             </a:fld>
             <a:endParaRPr lang="zh-CN" altLang="en-US"/>
           </a:p>
@@ -2409,7 +2409,7 @@
           <a:p>
             <a:fld id="{530820CF-B880-4189-942D-D702A7CBA730}" type="datetimeFigureOut">
               <a:rPr lang="zh-CN" altLang="en-US" smtClean="0"/>
-              <a:t>2014/6/22</a:t>
+              <a:t>2014/6/23</a:t>
             </a:fld>
             <a:endParaRPr lang="zh-CN" altLang="en-US"/>
           </a:p>
@@ -2650,7 +2650,7 @@
           <a:p>
             <a:fld id="{530820CF-B880-4189-942D-D702A7CBA730}" type="datetimeFigureOut">
               <a:rPr lang="zh-CN" altLang="en-US" smtClean="0"/>
-              <a:t>2014/6/22</a:t>
+              <a:t>2014/6/23</a:t>
             </a:fld>
             <a:endParaRPr lang="zh-CN" altLang="en-US"/>
           </a:p>
@@ -2933,7 +2933,7 @@
           <a:p>
             <a:fld id="{530820CF-B880-4189-942D-D702A7CBA730}" type="datetimeFigureOut">
               <a:rPr lang="zh-CN" altLang="en-US" smtClean="0"/>
-              <a:t>2014/6/22</a:t>
+              <a:t>2014/6/23</a:t>
             </a:fld>
             <a:endParaRPr lang="zh-CN" altLang="en-US"/>
           </a:p>
@@ -3350,7 +3350,7 @@
           <a:p>
             <a:fld id="{530820CF-B880-4189-942D-D702A7CBA730}" type="datetimeFigureOut">
               <a:rPr lang="zh-CN" altLang="en-US" smtClean="0"/>
-              <a:t>2014/6/22</a:t>
+              <a:t>2014/6/23</a:t>
             </a:fld>
             <a:endParaRPr lang="zh-CN" altLang="en-US"/>
           </a:p>
@@ -3463,7 +3463,7 @@
           <a:p>
             <a:fld id="{530820CF-B880-4189-942D-D702A7CBA730}" type="datetimeFigureOut">
               <a:rPr lang="zh-CN" altLang="en-US" smtClean="0"/>
-              <a:t>2014/6/22</a:t>
+              <a:t>2014/6/23</a:t>
             </a:fld>
             <a:endParaRPr lang="zh-CN" altLang="en-US"/>
           </a:p>
@@ -3553,7 +3553,7 @@
           <a:p>
             <a:fld id="{530820CF-B880-4189-942D-D702A7CBA730}" type="datetimeFigureOut">
               <a:rPr lang="zh-CN" altLang="en-US" smtClean="0"/>
-              <a:t>2014/6/22</a:t>
+              <a:t>2014/6/23</a:t>
             </a:fld>
             <a:endParaRPr lang="zh-CN" altLang="en-US"/>
           </a:p>
@@ -3825,7 +3825,7 @@
           <a:p>
             <a:fld id="{530820CF-B880-4189-942D-D702A7CBA730}" type="datetimeFigureOut">
               <a:rPr lang="zh-CN" altLang="en-US" smtClean="0"/>
-              <a:t>2014/6/22</a:t>
+              <a:t>2014/6/23</a:t>
             </a:fld>
             <a:endParaRPr lang="zh-CN" altLang="en-US"/>
           </a:p>
@@ -4073,7 +4073,7 @@
           <a:p>
             <a:fld id="{530820CF-B880-4189-942D-D702A7CBA730}" type="datetimeFigureOut">
               <a:rPr lang="zh-CN" altLang="en-US" smtClean="0"/>
-              <a:t>2014/6/22</a:t>
+              <a:t>2014/6/23</a:t>
             </a:fld>
             <a:endParaRPr lang="zh-CN" altLang="en-US"/>
           </a:p>
@@ -4281,7 +4281,7 @@
           <a:p>
             <a:fld id="{530820CF-B880-4189-942D-D702A7CBA730}" type="datetimeFigureOut">
               <a:rPr lang="zh-CN" altLang="en-US" smtClean="0"/>
-              <a:t>2014/6/22</a:t>
+              <a:t>2014/6/23</a:t>
             </a:fld>
             <a:endParaRPr lang="zh-CN" altLang="en-US"/>
           </a:p>
@@ -33814,11 +33814,7 @@
             </a:pPr>
             <a:r>
               <a:rPr lang="en-US" altLang="zh-CN" dirty="0" smtClean="0"/>
-              <a:t>3. </a:t>
-            </a:r>
-            <a:r>
-              <a:rPr lang="en-US" altLang="zh-CN" dirty="0" smtClean="0"/>
-              <a:t>SQL</a:t>
+              <a:t>3. SQL</a:t>
             </a:r>
             <a:r>
               <a:rPr lang="zh-CN" altLang="en-US" dirty="0" smtClean="0"/>
@@ -33979,11 +33975,7 @@
             </a:pPr>
             <a:r>
               <a:rPr lang="zh-CN" altLang="en-US" dirty="0" smtClean="0"/>
-              <a:t>六</a:t>
-            </a:r>
-            <a:r>
-              <a:rPr lang="zh-CN" altLang="en-US" dirty="0" smtClean="0"/>
-              <a:t>、系统实现</a:t>
+              <a:t>六、系统实现</a:t>
             </a:r>
             <a:endParaRPr lang="en-US" altLang="zh-CN" dirty="0" smtClean="0"/>
           </a:p>
@@ -34079,11 +34071,7 @@
             </a:r>
             <a:r>
               <a:rPr lang="zh-CN" altLang="en-US" dirty="0" smtClean="0"/>
-              <a:t>其他</a:t>
-            </a:r>
-            <a:r>
-              <a:rPr lang="zh-CN" altLang="en-US" dirty="0" smtClean="0"/>
-              <a:t>概念</a:t>
+              <a:t>其他概念</a:t>
             </a:r>
             <a:endParaRPr lang="zh-CN" altLang="en-US" dirty="0"/>
           </a:p>
@@ -34143,11 +34131,7 @@
             </a:r>
             <a:r>
               <a:rPr lang="zh-CN" altLang="en-US" dirty="0" smtClean="0"/>
-              <a:t>的并行处理</a:t>
-            </a:r>
-            <a:r>
-              <a:rPr lang="zh-CN" altLang="en-US" dirty="0" smtClean="0"/>
-              <a:t>框架（核心计算模型还是</a:t>
+              <a:t>的并行处理框架（核心计算模型还是</a:t>
             </a:r>
             <a:r>
               <a:rPr lang="en-US" altLang="zh-CN" dirty="0" err="1" smtClean="0"/>
@@ -34179,11 +34163,7 @@
             </a:r>
             <a:r>
               <a:rPr lang="zh-CN" altLang="en-US" dirty="0" smtClean="0"/>
-              <a:t>的</a:t>
-            </a:r>
-            <a:r>
-              <a:rPr lang="zh-CN" altLang="en-US" dirty="0" smtClean="0"/>
-              <a:t>封装、重组、优化和丰富；</a:t>
+              <a:t>的封装、重组、优化和丰富；</a:t>
             </a:r>
             <a:endParaRPr lang="en-US" altLang="zh-CN" dirty="0" smtClean="0"/>
           </a:p>
@@ -34205,11 +34185,7 @@
             </a:r>
             <a:r>
               <a:rPr lang="zh-CN" altLang="en-US" dirty="0" smtClean="0"/>
-              <a:t>类型，还有其他类型</a:t>
-            </a:r>
-            <a:r>
-              <a:rPr lang="zh-CN" altLang="en-US" dirty="0" smtClean="0"/>
-              <a:t>。</a:t>
+              <a:t>类型，还有其他类型。</a:t>
             </a:r>
             <a:endParaRPr lang="en-US" altLang="zh-CN" dirty="0" smtClean="0"/>
           </a:p>
@@ -34620,11 +34596,7 @@
             </a:r>
             <a:r>
               <a:rPr lang="en-US" altLang="zh-CN" dirty="0" smtClean="0"/>
-              <a:t>1. Hive </a:t>
-            </a:r>
-            <a:r>
-              <a:rPr lang="en-US" altLang="zh-CN" dirty="0" smtClean="0"/>
-              <a:t>VS Shark</a:t>
+              <a:t>1. Hive VS Shark</a:t>
             </a:r>
             <a:endParaRPr lang="zh-CN" altLang="en-US" dirty="0"/>
           </a:p>
@@ -35113,11 +35085,7 @@
             </a:r>
             <a:r>
               <a:rPr lang="en-US" altLang="zh-CN" dirty="0" smtClean="0"/>
-              <a:t>		1. Hive </a:t>
-            </a:r>
-            <a:r>
-              <a:rPr lang="en-US" altLang="zh-CN" dirty="0" smtClean="0"/>
-              <a:t>VS Shark</a:t>
+              <a:t>		1. Hive VS Shark</a:t>
             </a:r>
             <a:endParaRPr lang="zh-CN" altLang="en-US" dirty="0"/>
           </a:p>
@@ -42654,11 +42622,7 @@
             </a:r>
             <a:r>
               <a:rPr lang="en-US" altLang="zh-CN" dirty="0" smtClean="0"/>
-              <a:t>RDD</a:t>
-            </a:r>
-            <a:r>
-              <a:rPr lang="en-US" altLang="zh-CN" dirty="0" smtClean="0"/>
-              <a:t>(</a:t>
+              <a:t>RDD(</a:t>
             </a:r>
             <a:r>
               <a:rPr lang="zh-CN" altLang="en-US" b="1" dirty="0" smtClean="0"/>
@@ -42864,11 +42828,7 @@
             </a:r>
             <a:r>
               <a:rPr lang="en-US" altLang="zh-CN" dirty="0" smtClean="0"/>
-              <a:t>		1.</a:t>
-            </a:r>
-            <a:r>
-              <a:rPr lang="en-US" altLang="zh-CN" dirty="0" smtClean="0"/>
-              <a:t>PDE</a:t>
+              <a:t>		1.PDE</a:t>
             </a:r>
             <a:endParaRPr lang="zh-CN" altLang="en-US" dirty="0"/>
           </a:p>
@@ -43003,19 +42963,7 @@
             </a:r>
             <a:r>
               <a:rPr lang="zh-CN" altLang="en-US" dirty="0" smtClean="0"/>
-              <a:t>是低效的。（如</a:t>
-            </a:r>
-            <a:r>
-              <a:rPr lang="zh-CN" altLang="en-US" dirty="0" smtClean="0"/>
-              <a:t>数据的格式</a:t>
-            </a:r>
-            <a:r>
-              <a:rPr lang="zh-CN" altLang="en-US" dirty="0" smtClean="0"/>
-              <a:t>、粒度</a:t>
-            </a:r>
-            <a:r>
-              <a:rPr lang="zh-CN" altLang="en-US" dirty="0" smtClean="0"/>
-              <a:t>等，</a:t>
+              <a:t>是低效的。（如数据的格式、粒度等，</a:t>
             </a:r>
             <a:r>
               <a:rPr lang="en-US" altLang="zh-CN" dirty="0" smtClean="0"/>
@@ -43023,11 +42971,7 @@
             </a:r>
             <a:r>
               <a:rPr lang="zh-CN" altLang="en-US" dirty="0" smtClean="0"/>
-              <a:t>是粗粒度的</a:t>
-            </a:r>
-            <a:r>
-              <a:rPr lang="zh-CN" altLang="en-US" dirty="0" smtClean="0"/>
-              <a:t>）</a:t>
+              <a:t>是粗粒度的）</a:t>
             </a:r>
             <a:endParaRPr lang="en-US" altLang="zh-CN" dirty="0" smtClean="0"/>
           </a:p>
@@ -43275,11 +43219,7 @@
             </a:r>
             <a:r>
               <a:rPr lang="en-US" altLang="zh-CN" dirty="0" smtClean="0"/>
-              <a:t>		1. </a:t>
-            </a:r>
-            <a:r>
-              <a:rPr lang="en-US" altLang="zh-CN" dirty="0" smtClean="0"/>
-              <a:t>PDE</a:t>
+              <a:t>		1. PDE</a:t>
             </a:r>
             <a:endParaRPr lang="zh-CN" altLang="en-US" dirty="0"/>
           </a:p>
@@ -43674,11 +43614,7 @@
             </a:r>
             <a:r>
               <a:rPr lang="en-US" altLang="zh-CN" dirty="0" smtClean="0"/>
-              <a:t>		1. </a:t>
-            </a:r>
-            <a:r>
-              <a:rPr lang="en-US" altLang="zh-CN" dirty="0" smtClean="0"/>
-              <a:t>PDE </a:t>
+              <a:t>		1. PDE </a:t>
             </a:r>
             <a:r>
               <a:rPr lang="en-US" altLang="zh-CN" dirty="0"/>
@@ -43867,19 +43803,11 @@
             </a:r>
             <a:r>
               <a:rPr lang="en-US" altLang="zh-CN" dirty="0" smtClean="0"/>
-              <a:t>1. </a:t>
-            </a:r>
-            <a:r>
-              <a:rPr lang="en-US" altLang="zh-CN" dirty="0" smtClean="0"/>
-              <a:t>PDE </a:t>
+              <a:t>1. PDE </a:t>
             </a:r>
             <a:r>
               <a:rPr lang="zh-CN" altLang="en-US" dirty="0" smtClean="0"/>
-              <a:t>斜处理</a:t>
-            </a:r>
-            <a:r>
-              <a:rPr lang="zh-CN" altLang="en-US" dirty="0" smtClean="0"/>
-              <a:t>和并行度</a:t>
+              <a:t>斜处理和并行度</a:t>
             </a:r>
             <a:endParaRPr lang="zh-CN" altLang="en-US" dirty="0"/>
           </a:p>
@@ -44911,11 +44839,7 @@
             </a:r>
             <a:r>
               <a:rPr lang="zh-CN" altLang="en-US" dirty="0" smtClean="0"/>
-              <a:t>分布式</a:t>
-            </a:r>
-            <a:r>
-              <a:rPr lang="zh-CN" altLang="en-US" dirty="0" smtClean="0"/>
-              <a:t>数据加载</a:t>
+              <a:t>分布式数据加载</a:t>
             </a:r>
             <a:endParaRPr lang="zh-CN" altLang="en-US" dirty="0"/>
           </a:p>
@@ -45112,11 +45036,7 @@
             </a:r>
             <a:r>
               <a:rPr lang="zh-CN" altLang="en-US" dirty="0" smtClean="0"/>
-              <a:t>数据</a:t>
-            </a:r>
-            <a:r>
-              <a:rPr lang="zh-CN" altLang="en-US" dirty="0" smtClean="0"/>
-              <a:t>协作分区</a:t>
+              <a:t>数据协作分区</a:t>
             </a:r>
             <a:endParaRPr lang="zh-CN" altLang="en-US" dirty="0"/>
           </a:p>
@@ -45465,11 +45385,7 @@
             </a:r>
             <a:r>
               <a:rPr lang="zh-CN" altLang="en-US" dirty="0" smtClean="0"/>
-              <a:t>分区</a:t>
-            </a:r>
-            <a:r>
-              <a:rPr lang="zh-CN" altLang="en-US" dirty="0" smtClean="0"/>
-              <a:t>统计和</a:t>
+              <a:t>分区统计和</a:t>
             </a:r>
             <a:r>
               <a:rPr lang="en-US" altLang="zh-CN" dirty="0" smtClean="0"/>
@@ -45631,11 +45547,7 @@
             <a:pPr algn="l"/>
             <a:r>
               <a:rPr lang="zh-CN" altLang="en-US" sz="3600" dirty="0" smtClean="0"/>
-              <a:t>四、机器学习</a:t>
-            </a:r>
-            <a:r>
-              <a:rPr lang="zh-CN" altLang="en-US" sz="3600" dirty="0" smtClean="0"/>
-              <a:t>支持</a:t>
+              <a:t>四、机器学习支持</a:t>
             </a:r>
             <a:endParaRPr lang="zh-CN" altLang="en-US" sz="3600" dirty="0"/>
           </a:p>
@@ -46837,11 +46749,7 @@
             </a:r>
             <a:r>
               <a:rPr lang="zh-CN" altLang="en-US" dirty="0" smtClean="0"/>
-              <a:t>内启动一个任务</a:t>
-            </a:r>
-            <a:r>
-              <a:rPr lang="zh-CN" altLang="en-US" dirty="0" smtClean="0"/>
-              <a:t>。</a:t>
+              <a:t>内启动一个任务。</a:t>
             </a:r>
             <a:endParaRPr lang="en-US" altLang="zh-CN" dirty="0"/>
           </a:p>
@@ -49058,7 +48966,7 @@
   <a:extraClrSchemeLst/>
   <a:extLst>
     <a:ext uri="{05A4C25C-085E-4340-85A3-A5531E510DB2}">
-      <thm15:themeFamily xmlns:thm15="http://schemas.microsoft.com/office/thememl/2012/main" xmlns="" name="Office Theme" id="{62F939B6-93AF-4DB8-9C6B-D6C7DFDC589F}" vid="{4A3C46E8-61CC-4603-A589-7422A47A8E4A}"/>
+      <thm15:themeFamily xmlns="" xmlns:thm15="http://schemas.microsoft.com/office/thememl/2012/main" name="Office Theme" id="{62F939B6-93AF-4DB8-9C6B-D6C7DFDC589F}" vid="{4A3C46E8-61CC-4603-A589-7422A47A8E4A}"/>
     </a:ext>
   </a:extLst>
 </a:theme>
